--- a/docs/ServIS WebApp UI koncept.pptx
+++ b/docs/ServIS WebApp UI koncept.pptx
@@ -269,7 +269,7 @@
             <a:fld id="{13D7BC02-97FB-40AD-9C57-F45A21FC8D54}" type="datetimeFigureOut">
               <a:rPr lang="sk-SK" smtClean="0"/>
               <a:pPr/>
-              <a:t>10. 7. 2023</a:t>
+              <a:t>20. 7. 2023</a:t>
             </a:fld>
             <a:endParaRPr lang="sk-SK"/>
           </a:p>
@@ -837,7 +837,7 @@
             <a:fld id="{009D66BC-8DF3-4F71-9F8B-CF7AD1EAA50D}" type="datetimeFigureOut">
               <a:rPr lang="sk-SK" smtClean="0"/>
               <a:pPr/>
-              <a:t>10. 7. 2023</a:t>
+              <a:t>20. 7. 2023</a:t>
             </a:fld>
             <a:endParaRPr lang="sk-SK"/>
           </a:p>
@@ -1007,7 +1007,7 @@
             <a:fld id="{009D66BC-8DF3-4F71-9F8B-CF7AD1EAA50D}" type="datetimeFigureOut">
               <a:rPr lang="sk-SK" smtClean="0"/>
               <a:pPr/>
-              <a:t>10. 7. 2023</a:t>
+              <a:t>20. 7. 2023</a:t>
             </a:fld>
             <a:endParaRPr lang="sk-SK"/>
           </a:p>
@@ -1187,7 +1187,7 @@
             <a:fld id="{009D66BC-8DF3-4F71-9F8B-CF7AD1EAA50D}" type="datetimeFigureOut">
               <a:rPr lang="sk-SK" smtClean="0"/>
               <a:pPr/>
-              <a:t>10. 7. 2023</a:t>
+              <a:t>20. 7. 2023</a:t>
             </a:fld>
             <a:endParaRPr lang="sk-SK"/>
           </a:p>
@@ -1357,7 +1357,7 @@
             <a:fld id="{009D66BC-8DF3-4F71-9F8B-CF7AD1EAA50D}" type="datetimeFigureOut">
               <a:rPr lang="sk-SK" smtClean="0"/>
               <a:pPr/>
-              <a:t>10. 7. 2023</a:t>
+              <a:t>20. 7. 2023</a:t>
             </a:fld>
             <a:endParaRPr lang="sk-SK"/>
           </a:p>
@@ -1604,7 +1604,7 @@
             <a:fld id="{009D66BC-8DF3-4F71-9F8B-CF7AD1EAA50D}" type="datetimeFigureOut">
               <a:rPr lang="sk-SK" smtClean="0"/>
               <a:pPr/>
-              <a:t>10. 7. 2023</a:t>
+              <a:t>20. 7. 2023</a:t>
             </a:fld>
             <a:endParaRPr lang="sk-SK"/>
           </a:p>
@@ -1835,7 +1835,7 @@
             <a:fld id="{009D66BC-8DF3-4F71-9F8B-CF7AD1EAA50D}" type="datetimeFigureOut">
               <a:rPr lang="sk-SK" smtClean="0"/>
               <a:pPr/>
-              <a:t>10. 7. 2023</a:t>
+              <a:t>20. 7. 2023</a:t>
             </a:fld>
             <a:endParaRPr lang="sk-SK"/>
           </a:p>
@@ -2201,7 +2201,7 @@
             <a:fld id="{009D66BC-8DF3-4F71-9F8B-CF7AD1EAA50D}" type="datetimeFigureOut">
               <a:rPr lang="sk-SK" smtClean="0"/>
               <a:pPr/>
-              <a:t>10. 7. 2023</a:t>
+              <a:t>20. 7. 2023</a:t>
             </a:fld>
             <a:endParaRPr lang="sk-SK"/>
           </a:p>
@@ -2320,7 +2320,7 @@
             <a:fld id="{009D66BC-8DF3-4F71-9F8B-CF7AD1EAA50D}" type="datetimeFigureOut">
               <a:rPr lang="sk-SK" smtClean="0"/>
               <a:pPr/>
-              <a:t>10. 7. 2023</a:t>
+              <a:t>20. 7. 2023</a:t>
             </a:fld>
             <a:endParaRPr lang="sk-SK"/>
           </a:p>
@@ -2417,7 +2417,7 @@
             <a:fld id="{009D66BC-8DF3-4F71-9F8B-CF7AD1EAA50D}" type="datetimeFigureOut">
               <a:rPr lang="sk-SK" smtClean="0"/>
               <a:pPr/>
-              <a:t>10. 7. 2023</a:t>
+              <a:t>20. 7. 2023</a:t>
             </a:fld>
             <a:endParaRPr lang="sk-SK"/>
           </a:p>
@@ -2694,7 +2694,7 @@
             <a:fld id="{009D66BC-8DF3-4F71-9F8B-CF7AD1EAA50D}" type="datetimeFigureOut">
               <a:rPr lang="sk-SK" smtClean="0"/>
               <a:pPr/>
-              <a:t>10. 7. 2023</a:t>
+              <a:t>20. 7. 2023</a:t>
             </a:fld>
             <a:endParaRPr lang="sk-SK"/>
           </a:p>
@@ -2948,7 +2948,7 @@
             <a:fld id="{009D66BC-8DF3-4F71-9F8B-CF7AD1EAA50D}" type="datetimeFigureOut">
               <a:rPr lang="sk-SK" smtClean="0"/>
               <a:pPr/>
-              <a:t>10. 7. 2023</a:t>
+              <a:t>20. 7. 2023</a:t>
             </a:fld>
             <a:endParaRPr lang="sk-SK"/>
           </a:p>
@@ -3161,7 +3161,7 @@
             <a:fld id="{009D66BC-8DF3-4F71-9F8B-CF7AD1EAA50D}" type="datetimeFigureOut">
               <a:rPr lang="sk-SK" smtClean="0"/>
               <a:pPr/>
-              <a:t>10. 7. 2023</a:t>
+              <a:t>20. 7. 2023</a:t>
             </a:fld>
             <a:endParaRPr lang="sk-SK"/>
           </a:p>
@@ -22999,7 +22999,7 @@
         <p:spPr>
           <a:xfrm>
             <a:off x="1150915" y="613597"/>
-            <a:ext cx="4223400" cy="461665"/>
+            <a:ext cx="4292329" cy="461665"/>
           </a:xfrm>
           <a:prstGeom prst="rect">
             <a:avLst/>
@@ -23014,7 +23014,7 @@
           <a:p>
             <a:r>
               <a:rPr lang="sk-SK" sz="2400" dirty="0"/>
-              <a:t>Kátegória bagrov- značka bagrov</a:t>
+              <a:t>Kátegória bagrov - značka bagrov</a:t>
             </a:r>
           </a:p>
         </p:txBody>
